--- a/Term Project/Week 3&4/DSC640_KesavAdithya_Venkidusamy_Week3&4_Term_Project_Milestone2.pptx
+++ b/Term Project/Week 3&4/DSC640_KesavAdithya_Venkidusamy_Week3&4_Term_Project_Milestone2.pptx
@@ -324,7 +324,7 @@
           <a:p>
             <a:fld id="{004A8D02-4E65-4CCD-8312-4AB164C6C77D}" type="datetimeFigureOut">
               <a:rPr lang="en-US"/>
-              <a:t>7/1/2022</a:t>
+              <a:t>7/2/2022</a:t>
             </a:fld>
             <a:endParaRPr/>
           </a:p>
@@ -489,7 +489,7 @@
           <a:p>
             <a:fld id="{67A755D9-D361-47B8-9652-3B4EA9776CE5}" type="datetimeFigureOut">
               <a:rPr lang="en-US"/>
-              <a:t>7/1/2022</a:t>
+              <a:t>7/2/2022</a:t>
             </a:fld>
             <a:endParaRPr/>
           </a:p>
@@ -1730,7 +1730,7 @@
           <a:p>
             <a:fld id="{83829175-527E-46A3-863C-1BB1F163B849}" type="datetimeFigureOut">
               <a:rPr lang="en-US"/>
-              <a:t>7/1/2022</a:t>
+              <a:t>7/2/2022</a:t>
             </a:fld>
             <a:endParaRPr dirty="0"/>
           </a:p>
@@ -1928,7 +1928,7 @@
           <a:p>
             <a:fld id="{83829175-527E-46A3-863C-1BB1F163B849}" type="datetimeFigureOut">
               <a:rPr lang="en-US"/>
-              <a:t>7/1/2022</a:t>
+              <a:t>7/2/2022</a:t>
             </a:fld>
             <a:endParaRPr/>
           </a:p>
@@ -2136,7 +2136,7 @@
           <a:p>
             <a:fld id="{83829175-527E-46A3-863C-1BB1F163B849}" type="datetimeFigureOut">
               <a:rPr lang="en-US"/>
-              <a:t>7/1/2022</a:t>
+              <a:t>7/2/2022</a:t>
             </a:fld>
             <a:endParaRPr/>
           </a:p>
@@ -2334,7 +2334,7 @@
           <a:p>
             <a:fld id="{83829175-527E-46A3-863C-1BB1F163B849}" type="datetimeFigureOut">
               <a:rPr lang="en-US"/>
-              <a:t>7/1/2022</a:t>
+              <a:t>7/2/2022</a:t>
             </a:fld>
             <a:endParaRPr dirty="0"/>
           </a:p>
@@ -2611,7 +2611,7 @@
           <a:p>
             <a:fld id="{83829175-527E-46A3-863C-1BB1F163B849}" type="datetimeFigureOut">
               <a:rPr lang="en-US"/>
-              <a:t>7/1/2022</a:t>
+              <a:t>7/2/2022</a:t>
             </a:fld>
             <a:endParaRPr dirty="0"/>
           </a:p>
@@ -2920,7 +2920,7 @@
           <a:p>
             <a:fld id="{83829175-527E-46A3-863C-1BB1F163B849}" type="datetimeFigureOut">
               <a:rPr lang="en-US"/>
-              <a:t>7/1/2022</a:t>
+              <a:t>7/2/2022</a:t>
             </a:fld>
             <a:endParaRPr/>
           </a:p>
@@ -3369,7 +3369,7 @@
           <a:p>
             <a:fld id="{83829175-527E-46A3-863C-1BB1F163B849}" type="datetimeFigureOut">
               <a:rPr lang="en-US"/>
-              <a:t>7/1/2022</a:t>
+              <a:t>7/2/2022</a:t>
             </a:fld>
             <a:endParaRPr dirty="0"/>
           </a:p>
@@ -3499,7 +3499,7 @@
           <a:p>
             <a:fld id="{83829175-527E-46A3-863C-1BB1F163B849}" type="datetimeFigureOut">
               <a:rPr lang="en-US"/>
-              <a:t>7/1/2022</a:t>
+              <a:t>7/2/2022</a:t>
             </a:fld>
             <a:endParaRPr/>
           </a:p>
@@ -3620,7 +3620,7 @@
           <a:p>
             <a:fld id="{83829175-527E-46A3-863C-1BB1F163B849}" type="datetimeFigureOut">
               <a:rPr lang="en-US"/>
-              <a:t>7/1/2022</a:t>
+              <a:t>7/2/2022</a:t>
             </a:fld>
             <a:endParaRPr/>
           </a:p>
@@ -3933,7 +3933,7 @@
             <a:fld id="{83829175-527E-46A3-863C-1BB1F163B849}" type="datetimeFigureOut">
               <a:rPr lang="en-US"/>
               <a:pPr/>
-              <a:t>7/1/2022</a:t>
+              <a:t>7/2/2022</a:t>
             </a:fld>
             <a:endParaRPr dirty="0"/>
           </a:p>
@@ -4474,7 +4474,7 @@
             <a:fld id="{83829175-527E-46A3-863C-1BB1F163B849}" type="datetimeFigureOut">
               <a:rPr lang="en-US" smtClean="0"/>
               <a:pPr/>
-              <a:t>7/1/2022</a:t>
+              <a:t>7/2/2022</a:t>
             </a:fld>
             <a:endParaRPr lang="en-US" dirty="0"/>
           </a:p>
@@ -4874,14 +4874,14 @@
           <a:lstStyle/>
           <a:p>
             <a:r>
-              <a:rPr lang="en-US" sz="6600" b="1" dirty="0">
+              <a:rPr lang="en-US" sz="4800" b="1" dirty="0">
                 <a:solidFill>
                   <a:schemeClr val="accent6">
                     <a:lumMod val="50000"/>
                   </a:schemeClr>
                 </a:solidFill>
               </a:rPr>
-              <a:t>United Airlines Safety Analysis</a:t>
+              <a:t>United Airlines Safety Analysis and Recommendation</a:t>
             </a:r>
             <a:br>
               <a:rPr lang="en-US" b="1" dirty="0">
@@ -5250,36 +5250,6 @@
           </a:p>
         </p:txBody>
       </p:sp>
-      <p:pic>
-        <p:nvPicPr>
-          <p:cNvPr id="6" name="Picture 5">
-            <a:extLst>
-              <a:ext uri="{FF2B5EF4-FFF2-40B4-BE49-F238E27FC236}">
-                <a16:creationId xmlns:a16="http://schemas.microsoft.com/office/drawing/2014/main" id="{044E703D-1322-E769-A820-00590C3BDB56}"/>
-              </a:ext>
-            </a:extLst>
-          </p:cNvPr>
-          <p:cNvPicPr>
-            <a:picLocks noChangeAspect="1"/>
-          </p:cNvPicPr>
-          <p:nvPr/>
-        </p:nvPicPr>
-        <p:blipFill>
-          <a:blip r:embed="rId3"/>
-          <a:stretch>
-            <a:fillRect/>
-          </a:stretch>
-        </p:blipFill>
-        <p:spPr>
-          <a:xfrm>
-            <a:off x="5086970" y="971370"/>
-            <a:ext cx="6589150" cy="4057830"/>
-          </a:xfrm>
-          <a:prstGeom prst="rect">
-            <a:avLst/>
-          </a:prstGeom>
-        </p:spPr>
-      </p:pic>
       <p:sp>
         <p:nvSpPr>
           <p:cNvPr id="7" name="TextBox 6">
@@ -5331,7 +5301,7 @@
                 <a:solidFill>
                   <a:schemeClr val="accent6"/>
                 </a:solidFill>
-                <a:hlinkClick r:id="rId4">
+                <a:hlinkClick r:id="rId3">
                   <a:extLst>
                     <a:ext uri="{A12FA001-AC4F-418D-AE19-62706E023703}">
                       <ahyp:hlinkClr xmlns:ahyp="http://schemas.microsoft.com/office/drawing/2018/hyperlinkcolor" val="tx"/>
@@ -5346,7 +5316,7 @@
                 <a:solidFill>
                   <a:schemeClr val="accent6"/>
                 </a:solidFill>
-                <a:hlinkClick r:id="rId5"/>
+                <a:hlinkClick r:id="rId4"/>
               </a:rPr>
               <a:t>https://catalog.data.gov/</a:t>
             </a:r>
@@ -5464,6 +5434,36 @@
           </a:fontRef>
         </p:style>
       </p:cxnSp>
+      <p:pic>
+        <p:nvPicPr>
+          <p:cNvPr id="3" name="Picture 2">
+            <a:extLst>
+              <a:ext uri="{FF2B5EF4-FFF2-40B4-BE49-F238E27FC236}">
+                <a16:creationId xmlns:a16="http://schemas.microsoft.com/office/drawing/2014/main" id="{D3776CB3-7AA7-630D-5C75-066E9CCF1A6F}"/>
+              </a:ext>
+            </a:extLst>
+          </p:cNvPr>
+          <p:cNvPicPr>
+            <a:picLocks noChangeAspect="1"/>
+          </p:cNvPicPr>
+          <p:nvPr/>
+        </p:nvPicPr>
+        <p:blipFill>
+          <a:blip r:embed="rId5"/>
+          <a:stretch>
+            <a:fillRect/>
+          </a:stretch>
+        </p:blipFill>
+        <p:spPr>
+          <a:xfrm>
+            <a:off x="5086970" y="875886"/>
+            <a:ext cx="6654456" cy="3924714"/>
+          </a:xfrm>
+          <a:prstGeom prst="rect">
+            <a:avLst/>
+          </a:prstGeom>
+        </p:spPr>
+      </p:pic>
     </p:spTree>
     <p:extLst>
       <p:ext uri="{BB962C8B-B14F-4D97-AF65-F5344CB8AC3E}">
@@ -6736,10 +6736,10 @@
       </p:sp>
       <p:pic>
         <p:nvPicPr>
-          <p:cNvPr id="18" name="Picture 17">
+          <p:cNvPr id="20" name="Picture 19">
             <a:extLst>
               <a:ext uri="{FF2B5EF4-FFF2-40B4-BE49-F238E27FC236}">
-                <a16:creationId xmlns:a16="http://schemas.microsoft.com/office/drawing/2014/main" id="{5CB13B02-BEF4-C9D9-29DA-5792FE36B4B7}"/>
+                <a16:creationId xmlns:a16="http://schemas.microsoft.com/office/drawing/2014/main" id="{13FF8D46-F096-7A77-E38B-B92E6CBE50E0}"/>
               </a:ext>
             </a:extLst>
           </p:cNvPr>
@@ -6756,8 +6756,8 @@
         </p:blipFill>
         <p:spPr>
           <a:xfrm>
-            <a:off x="5232303" y="76200"/>
-            <a:ext cx="5586510" cy="2188447"/>
+            <a:off x="5232303" y="2286000"/>
+            <a:ext cx="5586510" cy="2188446"/>
           </a:xfrm>
           <a:prstGeom prst="rect">
             <a:avLst/>
@@ -6766,10 +6766,10 @@
       </p:pic>
       <p:pic>
         <p:nvPicPr>
-          <p:cNvPr id="20" name="Picture 19">
+          <p:cNvPr id="5" name="Picture 4">
             <a:extLst>
               <a:ext uri="{FF2B5EF4-FFF2-40B4-BE49-F238E27FC236}">
-                <a16:creationId xmlns:a16="http://schemas.microsoft.com/office/drawing/2014/main" id="{13FF8D46-F096-7A77-E38B-B92E6CBE50E0}"/>
+                <a16:creationId xmlns:a16="http://schemas.microsoft.com/office/drawing/2014/main" id="{97F3BAD0-C77E-6CAC-ED5E-A39863D4F811}"/>
               </a:ext>
             </a:extLst>
           </p:cNvPr>
@@ -6786,8 +6786,8 @@
         </p:blipFill>
         <p:spPr>
           <a:xfrm>
-            <a:off x="5232303" y="2286000"/>
-            <a:ext cx="5586510" cy="2188446"/>
+            <a:off x="5216457" y="228600"/>
+            <a:ext cx="5584203" cy="2057400"/>
           </a:xfrm>
           <a:prstGeom prst="rect">
             <a:avLst/>
@@ -6796,10 +6796,10 @@
       </p:pic>
       <p:pic>
         <p:nvPicPr>
-          <p:cNvPr id="22" name="Picture 21">
+          <p:cNvPr id="7" name="Picture 6">
             <a:extLst>
               <a:ext uri="{FF2B5EF4-FFF2-40B4-BE49-F238E27FC236}">
-                <a16:creationId xmlns:a16="http://schemas.microsoft.com/office/drawing/2014/main" id="{503AAF79-892C-704A-C9A9-A6D71A67ED04}"/>
+                <a16:creationId xmlns:a16="http://schemas.microsoft.com/office/drawing/2014/main" id="{83061043-4A5C-D3CE-8360-9B3B707C4497}"/>
               </a:ext>
             </a:extLst>
           </p:cNvPr>
@@ -6816,8 +6816,8 @@
         </p:blipFill>
         <p:spPr>
           <a:xfrm>
-            <a:off x="5234609" y="4495801"/>
-            <a:ext cx="5584204" cy="2057400"/>
+            <a:off x="5234028" y="4432821"/>
+            <a:ext cx="5640454" cy="2188446"/>
           </a:xfrm>
           <a:prstGeom prst="rect">
             <a:avLst/>
@@ -7283,36 +7283,6 @@
           </a:p>
         </p:txBody>
       </p:sp>
-      <p:pic>
-        <p:nvPicPr>
-          <p:cNvPr id="6" name="Picture 5">
-            <a:extLst>
-              <a:ext uri="{FF2B5EF4-FFF2-40B4-BE49-F238E27FC236}">
-                <a16:creationId xmlns:a16="http://schemas.microsoft.com/office/drawing/2014/main" id="{9ECA1A25-E204-05E4-48F3-73DB3F6801E6}"/>
-              </a:ext>
-            </a:extLst>
-          </p:cNvPr>
-          <p:cNvPicPr>
-            <a:picLocks noChangeAspect="1"/>
-          </p:cNvPicPr>
-          <p:nvPr/>
-        </p:nvPicPr>
-        <p:blipFill>
-          <a:blip r:embed="rId4"/>
-          <a:stretch>
-            <a:fillRect/>
-          </a:stretch>
-        </p:blipFill>
-        <p:spPr>
-          <a:xfrm>
-            <a:off x="5103812" y="1066800"/>
-            <a:ext cx="6658463" cy="4267200"/>
-          </a:xfrm>
-          <a:prstGeom prst="rect">
-            <a:avLst/>
-          </a:prstGeom>
-        </p:spPr>
-      </p:pic>
       <p:sp>
         <p:nvSpPr>
           <p:cNvPr id="9" name="Title 4">
@@ -7423,6 +7393,36 @@
           </a:fontRef>
         </p:style>
       </p:cxnSp>
+      <p:pic>
+        <p:nvPicPr>
+          <p:cNvPr id="3" name="Picture 2">
+            <a:extLst>
+              <a:ext uri="{FF2B5EF4-FFF2-40B4-BE49-F238E27FC236}">
+                <a16:creationId xmlns:a16="http://schemas.microsoft.com/office/drawing/2014/main" id="{26FAE249-04BC-AE0B-68F5-C5D7A2274C0B}"/>
+              </a:ext>
+            </a:extLst>
+          </p:cNvPr>
+          <p:cNvPicPr>
+            <a:picLocks noChangeAspect="1"/>
+          </p:cNvPicPr>
+          <p:nvPr/>
+        </p:nvPicPr>
+        <p:blipFill>
+          <a:blip r:embed="rId4"/>
+          <a:stretch>
+            <a:fillRect/>
+          </a:stretch>
+        </p:blipFill>
+        <p:spPr>
+          <a:xfrm>
+            <a:off x="5098497" y="1295400"/>
+            <a:ext cx="6634715" cy="3686175"/>
+          </a:xfrm>
+          <a:prstGeom prst="rect">
+            <a:avLst/>
+          </a:prstGeom>
+        </p:spPr>
+      </p:pic>
     </p:spTree>
     <p:extLst>
       <p:ext uri="{BB962C8B-B14F-4D97-AF65-F5344CB8AC3E}">
@@ -8608,36 +8608,6 @@
           </a:p>
         </p:txBody>
       </p:sp>
-      <p:pic>
-        <p:nvPicPr>
-          <p:cNvPr id="6" name="Picture 5">
-            <a:extLst>
-              <a:ext uri="{FF2B5EF4-FFF2-40B4-BE49-F238E27FC236}">
-                <a16:creationId xmlns:a16="http://schemas.microsoft.com/office/drawing/2014/main" id="{4D847846-422E-7C82-925D-D63136780AC7}"/>
-              </a:ext>
-            </a:extLst>
-          </p:cNvPr>
-          <p:cNvPicPr>
-            <a:picLocks noChangeAspect="1"/>
-          </p:cNvPicPr>
-          <p:nvPr/>
-        </p:nvPicPr>
-        <p:blipFill>
-          <a:blip r:embed="rId5"/>
-          <a:stretch>
-            <a:fillRect/>
-          </a:stretch>
-        </p:blipFill>
-        <p:spPr>
-          <a:xfrm>
-            <a:off x="5086970" y="1219200"/>
-            <a:ext cx="6646242" cy="3962400"/>
-          </a:xfrm>
-          <a:prstGeom prst="rect">
-            <a:avLst/>
-          </a:prstGeom>
-        </p:spPr>
-      </p:pic>
       <p:sp>
         <p:nvSpPr>
           <p:cNvPr id="8" name="Title 4">
@@ -8744,6 +8714,36 @@
           </a:fontRef>
         </p:style>
       </p:cxnSp>
+      <p:pic>
+        <p:nvPicPr>
+          <p:cNvPr id="3" name="Picture 2">
+            <a:extLst>
+              <a:ext uri="{FF2B5EF4-FFF2-40B4-BE49-F238E27FC236}">
+                <a16:creationId xmlns:a16="http://schemas.microsoft.com/office/drawing/2014/main" id="{29A6A937-DC72-5AF0-44AB-A5B33DF8F874}"/>
+              </a:ext>
+            </a:extLst>
+          </p:cNvPr>
+          <p:cNvPicPr>
+            <a:picLocks noChangeAspect="1"/>
+          </p:cNvPicPr>
+          <p:nvPr/>
+        </p:nvPicPr>
+        <p:blipFill>
+          <a:blip r:embed="rId5"/>
+          <a:stretch>
+            <a:fillRect/>
+          </a:stretch>
+        </p:blipFill>
+        <p:spPr>
+          <a:xfrm>
+            <a:off x="5086969" y="1004500"/>
+            <a:ext cx="6646243" cy="3872299"/>
+          </a:xfrm>
+          <a:prstGeom prst="rect">
+            <a:avLst/>
+          </a:prstGeom>
+        </p:spPr>
+      </p:pic>
     </p:spTree>
     <p:extLst>
       <p:ext uri="{BB962C8B-B14F-4D97-AF65-F5344CB8AC3E}">
@@ -8804,7 +8804,7 @@
         </p:spPr>
         <p:txBody>
           <a:bodyPr>
-            <a:normAutofit fontScale="92500" lnSpcReduction="20000"/>
+            <a:normAutofit fontScale="92500" lnSpcReduction="10000"/>
           </a:bodyPr>
           <a:lstStyle/>
           <a:p>
@@ -8847,7 +8847,7 @@
             </a:pPr>
             <a:r>
               <a:rPr lang="en-US" dirty="0"/>
-              <a:t>Though revenue is impacted due to Covid in 2020, all necessary actions are taken in place to restore the revenue back to 2019 levels.</a:t>
+              <a:t>Though revenue is impacted due to Covid in 2020, the revenue started to regain back to 2019 levels.</a:t>
             </a:r>
           </a:p>
           <a:p>
@@ -8953,36 +8953,6 @@
           </a:p>
         </p:txBody>
       </p:sp>
-      <p:pic>
-        <p:nvPicPr>
-          <p:cNvPr id="3" name="Picture 2">
-            <a:extLst>
-              <a:ext uri="{FF2B5EF4-FFF2-40B4-BE49-F238E27FC236}">
-                <a16:creationId xmlns:a16="http://schemas.microsoft.com/office/drawing/2014/main" id="{4ACB11B8-C379-210A-EAE5-2EDC0241919B}"/>
-              </a:ext>
-            </a:extLst>
-          </p:cNvPr>
-          <p:cNvPicPr>
-            <a:picLocks noChangeAspect="1"/>
-          </p:cNvPicPr>
-          <p:nvPr/>
-        </p:nvPicPr>
-        <p:blipFill>
-          <a:blip r:embed="rId5"/>
-          <a:stretch>
-            <a:fillRect/>
-          </a:stretch>
-        </p:blipFill>
-        <p:spPr>
-          <a:xfrm>
-            <a:off x="5086970" y="838200"/>
-            <a:ext cx="6646242" cy="4267200"/>
-          </a:xfrm>
-          <a:prstGeom prst="rect">
-            <a:avLst/>
-          </a:prstGeom>
-        </p:spPr>
-      </p:pic>
       <p:cxnSp>
         <p:nvCxnSpPr>
           <p:cNvPr id="13" name="Straight Connector 12">
@@ -9089,6 +9059,36 @@
           </a:p>
         </p:txBody>
       </p:sp>
+      <p:pic>
+        <p:nvPicPr>
+          <p:cNvPr id="5" name="Picture 4">
+            <a:extLst>
+              <a:ext uri="{FF2B5EF4-FFF2-40B4-BE49-F238E27FC236}">
+                <a16:creationId xmlns:a16="http://schemas.microsoft.com/office/drawing/2014/main" id="{EB13537F-56C3-C59C-20B3-8D9C1AA8CB32}"/>
+              </a:ext>
+            </a:extLst>
+          </p:cNvPr>
+          <p:cNvPicPr>
+            <a:picLocks noChangeAspect="1"/>
+          </p:cNvPicPr>
+          <p:nvPr/>
+        </p:nvPicPr>
+        <p:blipFill>
+          <a:blip r:embed="rId5"/>
+          <a:stretch>
+            <a:fillRect/>
+          </a:stretch>
+        </p:blipFill>
+        <p:spPr>
+          <a:xfrm>
+            <a:off x="5086970" y="1066800"/>
+            <a:ext cx="6646242" cy="4116636"/>
+          </a:xfrm>
+          <a:prstGeom prst="rect">
+            <a:avLst/>
+          </a:prstGeom>
+        </p:spPr>
+      </p:pic>
     </p:spTree>
     <p:extLst>
       <p:ext uri="{BB962C8B-B14F-4D97-AF65-F5344CB8AC3E}">

--- a/Term Project/Week 3&4/DSC640_KesavAdithya_Venkidusamy_Week3&4_Term_Project_Milestone2.pptx
+++ b/Term Project/Week 3&4/DSC640_KesavAdithya_Venkidusamy_Week3&4_Term_Project_Milestone2.pptx
@@ -5,10 +5,10 @@
     <p:sldMasterId id="2147483648" r:id="rId1"/>
   </p:sldMasterIdLst>
   <p:notesMasterIdLst>
-    <p:notesMasterId r:id="rId15"/>
+    <p:notesMasterId r:id="rId14"/>
   </p:notesMasterIdLst>
   <p:handoutMasterIdLst>
-    <p:handoutMasterId r:id="rId16"/>
+    <p:handoutMasterId r:id="rId15"/>
   </p:handoutMasterIdLst>
   <p:sldIdLst>
     <p:sldId id="257" r:id="rId2"/>
@@ -18,12 +18,11 @@
     <p:sldId id="282" r:id="rId6"/>
     <p:sldId id="283" r:id="rId7"/>
     <p:sldId id="284" r:id="rId8"/>
-    <p:sldId id="288" r:id="rId9"/>
-    <p:sldId id="285" r:id="rId10"/>
-    <p:sldId id="286" r:id="rId11"/>
-    <p:sldId id="289" r:id="rId12"/>
-    <p:sldId id="290" r:id="rId13"/>
-    <p:sldId id="291" r:id="rId14"/>
+    <p:sldId id="285" r:id="rId9"/>
+    <p:sldId id="286" r:id="rId10"/>
+    <p:sldId id="289" r:id="rId11"/>
+    <p:sldId id="290" r:id="rId12"/>
+    <p:sldId id="291" r:id="rId13"/>
   </p:sldIdLst>
   <p:sldSz cx="12188825" cy="6858000"/>
   <p:notesSz cx="6858000" cy="9144000"/>
@@ -324,7 +323,7 @@
           <a:p>
             <a:fld id="{004A8D02-4E65-4CCD-8312-4AB164C6C77D}" type="datetimeFigureOut">
               <a:rPr lang="en-US"/>
-              <a:t>7/2/2022</a:t>
+              <a:t>7/3/2022</a:t>
             </a:fld>
             <a:endParaRPr/>
           </a:p>
@@ -489,7 +488,7 @@
           <a:p>
             <a:fld id="{67A755D9-D361-47B8-9652-3B4EA9776CE5}" type="datetimeFigureOut">
               <a:rPr lang="en-US"/>
-              <a:t>7/2/2022</a:t>
+              <a:t>7/3/2022</a:t>
             </a:fld>
             <a:endParaRPr/>
           </a:p>
@@ -1329,7 +1328,7 @@
     </p:spTree>
     <p:extLst>
       <p:ext uri="{BB962C8B-B14F-4D97-AF65-F5344CB8AC3E}">
-        <p14:creationId xmlns:p14="http://schemas.microsoft.com/office/powerpoint/2010/main" val="3062834879"/>
+        <p14:creationId xmlns:p14="http://schemas.microsoft.com/office/powerpoint/2010/main" val="99940239"/>
       </p:ext>
     </p:extLst>
   </p:cSld>
@@ -1405,90 +1404,6 @@
             <a:fld id="{E3B36274-F2B9-4C45-BBB4-0EDF4CD651A7}" type="slidenum">
               <a:rPr lang="en-US"/>
               <a:t>9</a:t>
-            </a:fld>
-            <a:endParaRPr lang="en-US"/>
-          </a:p>
-        </p:txBody>
-      </p:sp>
-    </p:spTree>
-    <p:extLst>
-      <p:ext uri="{BB962C8B-B14F-4D97-AF65-F5344CB8AC3E}">
-        <p14:creationId xmlns:p14="http://schemas.microsoft.com/office/powerpoint/2010/main" val="99940239"/>
-      </p:ext>
-    </p:extLst>
-  </p:cSld>
-  <p:clrMapOvr>
-    <a:masterClrMapping/>
-  </p:clrMapOvr>
-</p:notes>
-</file>
-
-<file path=ppt/notesSlides/notesSlide9.xml><?xml version="1.0" encoding="utf-8"?>
-<p:notes xmlns:a="http://schemas.openxmlformats.org/drawingml/2006/main" xmlns:r="http://schemas.openxmlformats.org/officeDocument/2006/relationships" xmlns:p="http://schemas.openxmlformats.org/presentationml/2006/main">
-  <p:cSld>
-    <p:spTree>
-      <p:nvGrpSpPr>
-        <p:cNvPr id="1" name=""/>
-        <p:cNvGrpSpPr/>
-        <p:nvPr/>
-      </p:nvGrpSpPr>
-      <p:grpSpPr>
-        <a:xfrm>
-          <a:off x="0" y="0"/>
-          <a:ext cx="0" cy="0"/>
-          <a:chOff x="0" y="0"/>
-          <a:chExt cx="0" cy="0"/>
-        </a:xfrm>
-      </p:grpSpPr>
-      <p:sp>
-        <p:nvSpPr>
-          <p:cNvPr id="2" name="Slide Image Placeholder 1"/>
-          <p:cNvSpPr>
-            <a:spLocks noGrp="1" noRot="1" noChangeAspect="1"/>
-          </p:cNvSpPr>
-          <p:nvPr>
-            <p:ph type="sldImg"/>
-          </p:nvPr>
-        </p:nvSpPr>
-        <p:spPr/>
-      </p:sp>
-      <p:sp>
-        <p:nvSpPr>
-          <p:cNvPr id="3" name="Notes Placeholder 2"/>
-          <p:cNvSpPr>
-            <a:spLocks noGrp="1"/>
-          </p:cNvSpPr>
-          <p:nvPr>
-            <p:ph type="body" idx="1"/>
-          </p:nvPr>
-        </p:nvSpPr>
-        <p:spPr/>
-        <p:txBody>
-          <a:bodyPr/>
-          <a:lstStyle/>
-          <a:p>
-            <a:endParaRPr lang="en-US"/>
-          </a:p>
-        </p:txBody>
-      </p:sp>
-      <p:sp>
-        <p:nvSpPr>
-          <p:cNvPr id="4" name="Slide Number Placeholder 3"/>
-          <p:cNvSpPr>
-            <a:spLocks noGrp="1"/>
-          </p:cNvSpPr>
-          <p:nvPr>
-            <p:ph type="sldNum" sz="quarter" idx="10"/>
-          </p:nvPr>
-        </p:nvSpPr>
-        <p:spPr/>
-        <p:txBody>
-          <a:bodyPr/>
-          <a:lstStyle/>
-          <a:p>
-            <a:fld id="{E3B36274-F2B9-4C45-BBB4-0EDF4CD651A7}" type="slidenum">
-              <a:rPr lang="en-US"/>
-              <a:t>10</a:t>
             </a:fld>
             <a:endParaRPr lang="en-US"/>
           </a:p>
@@ -1730,7 +1645,7 @@
           <a:p>
             <a:fld id="{83829175-527E-46A3-863C-1BB1F163B849}" type="datetimeFigureOut">
               <a:rPr lang="en-US"/>
-              <a:t>7/2/2022</a:t>
+              <a:t>7/3/2022</a:t>
             </a:fld>
             <a:endParaRPr dirty="0"/>
           </a:p>
@@ -1928,7 +1843,7 @@
           <a:p>
             <a:fld id="{83829175-527E-46A3-863C-1BB1F163B849}" type="datetimeFigureOut">
               <a:rPr lang="en-US"/>
-              <a:t>7/2/2022</a:t>
+              <a:t>7/3/2022</a:t>
             </a:fld>
             <a:endParaRPr/>
           </a:p>
@@ -2136,7 +2051,7 @@
           <a:p>
             <a:fld id="{83829175-527E-46A3-863C-1BB1F163B849}" type="datetimeFigureOut">
               <a:rPr lang="en-US"/>
-              <a:t>7/2/2022</a:t>
+              <a:t>7/3/2022</a:t>
             </a:fld>
             <a:endParaRPr/>
           </a:p>
@@ -2334,7 +2249,7 @@
           <a:p>
             <a:fld id="{83829175-527E-46A3-863C-1BB1F163B849}" type="datetimeFigureOut">
               <a:rPr lang="en-US"/>
-              <a:t>7/2/2022</a:t>
+              <a:t>7/3/2022</a:t>
             </a:fld>
             <a:endParaRPr dirty="0"/>
           </a:p>
@@ -2611,7 +2526,7 @@
           <a:p>
             <a:fld id="{83829175-527E-46A3-863C-1BB1F163B849}" type="datetimeFigureOut">
               <a:rPr lang="en-US"/>
-              <a:t>7/2/2022</a:t>
+              <a:t>7/3/2022</a:t>
             </a:fld>
             <a:endParaRPr dirty="0"/>
           </a:p>
@@ -2920,7 +2835,7 @@
           <a:p>
             <a:fld id="{83829175-527E-46A3-863C-1BB1F163B849}" type="datetimeFigureOut">
               <a:rPr lang="en-US"/>
-              <a:t>7/2/2022</a:t>
+              <a:t>7/3/2022</a:t>
             </a:fld>
             <a:endParaRPr/>
           </a:p>
@@ -3369,7 +3284,7 @@
           <a:p>
             <a:fld id="{83829175-527E-46A3-863C-1BB1F163B849}" type="datetimeFigureOut">
               <a:rPr lang="en-US"/>
-              <a:t>7/2/2022</a:t>
+              <a:t>7/3/2022</a:t>
             </a:fld>
             <a:endParaRPr dirty="0"/>
           </a:p>
@@ -3499,7 +3414,7 @@
           <a:p>
             <a:fld id="{83829175-527E-46A3-863C-1BB1F163B849}" type="datetimeFigureOut">
               <a:rPr lang="en-US"/>
-              <a:t>7/2/2022</a:t>
+              <a:t>7/3/2022</a:t>
             </a:fld>
             <a:endParaRPr/>
           </a:p>
@@ -3620,7 +3535,7 @@
           <a:p>
             <a:fld id="{83829175-527E-46A3-863C-1BB1F163B849}" type="datetimeFigureOut">
               <a:rPr lang="en-US"/>
-              <a:t>7/2/2022</a:t>
+              <a:t>7/3/2022</a:t>
             </a:fld>
             <a:endParaRPr/>
           </a:p>
@@ -3933,7 +3848,7 @@
             <a:fld id="{83829175-527E-46A3-863C-1BB1F163B849}" type="datetimeFigureOut">
               <a:rPr lang="en-US"/>
               <a:pPr/>
-              <a:t>7/2/2022</a:t>
+              <a:t>7/3/2022</a:t>
             </a:fld>
             <a:endParaRPr dirty="0"/>
           </a:p>
@@ -4474,7 +4389,7 @@
             <a:fld id="{83829175-527E-46A3-863C-1BB1F163B849}" type="datetimeFigureOut">
               <a:rPr lang="en-US" smtClean="0"/>
               <a:pPr/>
-              <a:t>7/2/2022</a:t>
+              <a:t>7/3/2022</a:t>
             </a:fld>
             <a:endParaRPr lang="en-US" dirty="0"/>
           </a:p>
@@ -5157,357 +5072,6 @@
       </p:grpSpPr>
       <p:sp>
         <p:nvSpPr>
-          <p:cNvPr id="4" name="Text Placeholder 3"/>
-          <p:cNvSpPr>
-            <a:spLocks noGrp="1"/>
-          </p:cNvSpPr>
-          <p:nvPr>
-            <p:ph type="body" sz="half" idx="2"/>
-          </p:nvPr>
-        </p:nvSpPr>
-        <p:spPr>
-          <a:xfrm>
-            <a:off x="227013" y="1752600"/>
-            <a:ext cx="3886200" cy="4267200"/>
-          </a:xfrm>
-        </p:spPr>
-        <p:txBody>
-          <a:bodyPr>
-            <a:normAutofit lnSpcReduction="10000"/>
-          </a:bodyPr>
-          <a:lstStyle/>
-          <a:p>
-            <a:endParaRPr lang="en-US" dirty="0"/>
-          </a:p>
-          <a:p>
-            <a:pPr marL="285750" indent="-285750">
-              <a:lnSpc>
-                <a:spcPct val="150000"/>
-              </a:lnSpc>
-              <a:buFont typeface="Wingdings" panose="05000000000000000000" pitchFamily="2" charset="2"/>
-              <a:buChar char="q"/>
-            </a:pPr>
-            <a:r>
-              <a:rPr lang="en-US" dirty="0"/>
-              <a:t>As revenue increase, the operating expenses also increased over time</a:t>
-            </a:r>
-          </a:p>
-          <a:p>
-            <a:pPr marL="285750" indent="-285750">
-              <a:lnSpc>
-                <a:spcPct val="150000"/>
-              </a:lnSpc>
-              <a:buFont typeface="Wingdings" panose="05000000000000000000" pitchFamily="2" charset="2"/>
-              <a:buChar char="q"/>
-            </a:pPr>
-            <a:endParaRPr lang="en-US" dirty="0"/>
-          </a:p>
-          <a:p>
-            <a:pPr marL="285750" indent="-285750">
-              <a:lnSpc>
-                <a:spcPct val="150000"/>
-              </a:lnSpc>
-              <a:buFont typeface="Wingdings" panose="05000000000000000000" pitchFamily="2" charset="2"/>
-              <a:buChar char="q"/>
-            </a:pPr>
-            <a:r>
-              <a:rPr lang="en-US" dirty="0"/>
-              <a:t>Post Covid, Worldwide Inflation is impacting Airlines operating expenses</a:t>
-            </a:r>
-          </a:p>
-          <a:p>
-            <a:pPr marL="285750" indent="-285750">
-              <a:lnSpc>
-                <a:spcPct val="150000"/>
-              </a:lnSpc>
-              <a:buFont typeface="Wingdings" panose="05000000000000000000" pitchFamily="2" charset="2"/>
-              <a:buChar char="q"/>
-            </a:pPr>
-            <a:endParaRPr lang="en-US" dirty="0"/>
-          </a:p>
-          <a:p>
-            <a:pPr marL="285750" indent="-285750">
-              <a:lnSpc>
-                <a:spcPct val="150000"/>
-              </a:lnSpc>
-              <a:buFont typeface="Wingdings" panose="05000000000000000000" pitchFamily="2" charset="2"/>
-              <a:buChar char="q"/>
-            </a:pPr>
-            <a:r>
-              <a:rPr lang="en-US" dirty="0"/>
-              <a:t>Management should focus on controlling Operation expenses by promoting more automation</a:t>
-            </a:r>
-          </a:p>
-          <a:p>
-            <a:pPr marL="285750" indent="-285750">
-              <a:lnSpc>
-                <a:spcPct val="150000"/>
-              </a:lnSpc>
-              <a:buFont typeface="Wingdings" panose="05000000000000000000" pitchFamily="2" charset="2"/>
-              <a:buChar char="q"/>
-            </a:pPr>
-            <a:endParaRPr lang="en-US" dirty="0"/>
-          </a:p>
-        </p:txBody>
-      </p:sp>
-      <p:sp>
-        <p:nvSpPr>
-          <p:cNvPr id="7" name="TextBox 6">
-            <a:extLst>
-              <a:ext uri="{FF2B5EF4-FFF2-40B4-BE49-F238E27FC236}">
-                <a16:creationId xmlns:a16="http://schemas.microsoft.com/office/drawing/2014/main" id="{CF9FD05A-E5D4-FCB5-9715-2B56D46FB616}"/>
-              </a:ext>
-            </a:extLst>
-          </p:cNvPr>
-          <p:cNvSpPr txBox="1"/>
-          <p:nvPr/>
-        </p:nvSpPr>
-        <p:spPr>
-          <a:xfrm>
-            <a:off x="5086970" y="5576500"/>
-            <a:ext cx="3141042" cy="276999"/>
-          </a:xfrm>
-          <a:prstGeom prst="rect">
-            <a:avLst/>
-          </a:prstGeom>
-          <a:noFill/>
-        </p:spPr>
-        <p:txBody>
-          <a:bodyPr wrap="square" rtlCol="0">
-            <a:spAutoFit/>
-          </a:bodyPr>
-          <a:lstStyle/>
-          <a:p>
-            <a:r>
-              <a:rPr lang="en-US" sz="1200" b="1" dirty="0">
-                <a:solidFill>
-                  <a:schemeClr val="accent6">
-                    <a:lumMod val="50000"/>
-                  </a:schemeClr>
-                </a:solidFill>
-              </a:rPr>
-              <a:t>Source</a:t>
-            </a:r>
-            <a:r>
-              <a:rPr lang="en-US" sz="1200" b="1" dirty="0">
-                <a:solidFill>
-                  <a:schemeClr val="accent6"/>
-                </a:solidFill>
-              </a:rPr>
-              <a:t>:</a:t>
-            </a:r>
-            <a:r>
-              <a:rPr lang="en-US" sz="1200" dirty="0">
-                <a:solidFill>
-                  <a:schemeClr val="accent6"/>
-                </a:solidFill>
-                <a:hlinkClick r:id="rId3">
-                  <a:extLst>
-                    <a:ext uri="{A12FA001-AC4F-418D-AE19-62706E023703}">
-                      <ahyp:hlinkClr xmlns:ahyp="http://schemas.microsoft.com/office/drawing/2018/hyperlinkcolor" val="tx"/>
-                    </a:ext>
-                  </a:extLst>
-                </a:hlinkClick>
-              </a:rPr>
-              <a:t> </a:t>
-            </a:r>
-            <a:r>
-              <a:rPr lang="en-US" sz="1200" dirty="0">
-                <a:solidFill>
-                  <a:schemeClr val="accent6"/>
-                </a:solidFill>
-                <a:hlinkClick r:id="rId4"/>
-              </a:rPr>
-              <a:t>https://catalog.data.gov/</a:t>
-            </a:r>
-            <a:endParaRPr lang="en-US" sz="1200" dirty="0">
-              <a:solidFill>
-                <a:schemeClr val="accent6"/>
-              </a:solidFill>
-            </a:endParaRPr>
-          </a:p>
-        </p:txBody>
-      </p:sp>
-      <p:sp>
-        <p:nvSpPr>
-          <p:cNvPr id="11" name="Title 4">
-            <a:extLst>
-              <a:ext uri="{FF2B5EF4-FFF2-40B4-BE49-F238E27FC236}">
-                <a16:creationId xmlns:a16="http://schemas.microsoft.com/office/drawing/2014/main" id="{3521240F-BD67-0020-FE6A-6B4BB0B44D87}"/>
-              </a:ext>
-            </a:extLst>
-          </p:cNvPr>
-          <p:cNvSpPr txBox="1">
-            <a:spLocks/>
-          </p:cNvSpPr>
-          <p:nvPr/>
-        </p:nvSpPr>
-        <p:spPr>
-          <a:xfrm>
-            <a:off x="156127" y="381000"/>
-            <a:ext cx="5023885" cy="1003024"/>
-          </a:xfrm>
-          <a:prstGeom prst="rect">
-            <a:avLst/>
-          </a:prstGeom>
-        </p:spPr>
-        <p:txBody>
-          <a:bodyPr vert="horz" lIns="91440" tIns="45720" rIns="91440" bIns="45720" rtlCol="0" anchor="b">
-            <a:noAutofit/>
-          </a:bodyPr>
-          <a:lstStyle>
-            <a:lvl1pPr algn="l" defTabSz="914400" rtl="0" eaLnBrk="1" latinLnBrk="0" hangingPunct="1">
-              <a:lnSpc>
-                <a:spcPct val="90000"/>
-              </a:lnSpc>
-              <a:spcBef>
-                <a:spcPct val="0"/>
-              </a:spcBef>
-              <a:buNone/>
-              <a:defRPr sz="3200" b="0" kern="1200">
-                <a:solidFill>
-                  <a:schemeClr val="tx1"/>
-                </a:solidFill>
-                <a:latin typeface="+mj-lt"/>
-                <a:ea typeface="+mj-ea"/>
-                <a:cs typeface="+mj-cs"/>
-              </a:defRPr>
-            </a:lvl1pPr>
-          </a:lstStyle>
-          <a:p>
-            <a:br>
-              <a:rPr lang="en-US" sz="2000" dirty="0"/>
-            </a:br>
-            <a:r>
-              <a:rPr lang="en-US" sz="2800" b="1" dirty="0"/>
-              <a:t>Operating Cost</a:t>
-            </a:r>
-            <a:br>
-              <a:rPr lang="en-US" sz="2000" dirty="0"/>
-            </a:br>
-            <a:br>
-              <a:rPr lang="en-US" sz="2000" dirty="0"/>
-            </a:br>
-            <a:r>
-              <a:rPr lang="en-US" sz="2000" b="1" dirty="0"/>
-              <a:t>Charts showing Operating expense of airlines over year</a:t>
-            </a:r>
-          </a:p>
-        </p:txBody>
-      </p:sp>
-      <p:cxnSp>
-        <p:nvCxnSpPr>
-          <p:cNvPr id="12" name="Straight Connector 11">
-            <a:extLst>
-              <a:ext uri="{FF2B5EF4-FFF2-40B4-BE49-F238E27FC236}">
-                <a16:creationId xmlns:a16="http://schemas.microsoft.com/office/drawing/2014/main" id="{71DFCE63-524C-2572-CC90-858F9E4751C7}"/>
-              </a:ext>
-            </a:extLst>
-          </p:cNvPr>
-          <p:cNvCxnSpPr>
-            <a:cxnSpLocks/>
-          </p:cNvCxnSpPr>
-          <p:nvPr/>
-        </p:nvCxnSpPr>
-        <p:spPr>
-          <a:xfrm>
-            <a:off x="227012" y="685800"/>
-            <a:ext cx="4343400" cy="0"/>
-          </a:xfrm>
-          <a:prstGeom prst="line">
-            <a:avLst/>
-          </a:prstGeom>
-          <a:ln w="38100"/>
-        </p:spPr>
-        <p:style>
-          <a:lnRef idx="3">
-            <a:schemeClr val="accent3"/>
-          </a:lnRef>
-          <a:fillRef idx="0">
-            <a:schemeClr val="accent3"/>
-          </a:fillRef>
-          <a:effectRef idx="2">
-            <a:schemeClr val="accent3"/>
-          </a:effectRef>
-          <a:fontRef idx="minor">
-            <a:schemeClr val="tx1"/>
-          </a:fontRef>
-        </p:style>
-      </p:cxnSp>
-      <p:pic>
-        <p:nvPicPr>
-          <p:cNvPr id="3" name="Picture 2">
-            <a:extLst>
-              <a:ext uri="{FF2B5EF4-FFF2-40B4-BE49-F238E27FC236}">
-                <a16:creationId xmlns:a16="http://schemas.microsoft.com/office/drawing/2014/main" id="{D3776CB3-7AA7-630D-5C75-066E9CCF1A6F}"/>
-              </a:ext>
-            </a:extLst>
-          </p:cNvPr>
-          <p:cNvPicPr>
-            <a:picLocks noChangeAspect="1"/>
-          </p:cNvPicPr>
-          <p:nvPr/>
-        </p:nvPicPr>
-        <p:blipFill>
-          <a:blip r:embed="rId5"/>
-          <a:stretch>
-            <a:fillRect/>
-          </a:stretch>
-        </p:blipFill>
-        <p:spPr>
-          <a:xfrm>
-            <a:off x="5086970" y="875886"/>
-            <a:ext cx="6654456" cy="3924714"/>
-          </a:xfrm>
-          <a:prstGeom prst="rect">
-            <a:avLst/>
-          </a:prstGeom>
-        </p:spPr>
-      </p:pic>
-    </p:spTree>
-    <p:extLst>
-      <p:ext uri="{BB962C8B-B14F-4D97-AF65-F5344CB8AC3E}">
-        <p14:creationId xmlns:p14="http://schemas.microsoft.com/office/powerpoint/2010/main" val="1669468440"/>
-      </p:ext>
-    </p:extLst>
-  </p:cSld>
-  <p:clrMapOvr>
-    <a:masterClrMapping/>
-  </p:clrMapOvr>
-  <mc:AlternateContent xmlns:mc="http://schemas.openxmlformats.org/markup-compatibility/2006" xmlns:p14="http://schemas.microsoft.com/office/powerpoint/2010/main">
-    <mc:Choice Requires="p14">
-      <p:transition spd="med" p14:dur="700">
-        <p:fade/>
-      </p:transition>
-    </mc:Choice>
-    <mc:Fallback xmlns="">
-      <p:transition spd="med">
-        <p:fade/>
-      </p:transition>
-    </mc:Fallback>
-  </mc:AlternateContent>
-</p:sld>
-</file>
-
-<file path=ppt/slides/slide11.xml><?xml version="1.0" encoding="utf-8"?>
-<p:sld xmlns:a="http://schemas.openxmlformats.org/drawingml/2006/main" xmlns:r="http://schemas.openxmlformats.org/officeDocument/2006/relationships" xmlns:p="http://schemas.openxmlformats.org/presentationml/2006/main">
-  <p:cSld>
-    <p:spTree>
-      <p:nvGrpSpPr>
-        <p:cNvPr id="1" name=""/>
-        <p:cNvGrpSpPr/>
-        <p:nvPr/>
-      </p:nvGrpSpPr>
-      <p:grpSpPr>
-        <a:xfrm>
-          <a:off x="0" y="0"/>
-          <a:ext cx="0" cy="0"/>
-          <a:chOff x="0" y="0"/>
-          <a:chExt cx="0" cy="0"/>
-        </a:xfrm>
-      </p:grpSpPr>
-      <p:sp>
-        <p:nvSpPr>
           <p:cNvPr id="2" name="Title 1">
             <a:extLst>
               <a:ext uri="{FF2B5EF4-FFF2-40B4-BE49-F238E27FC236}">
@@ -5783,7 +5347,7 @@
 </p:sld>
 </file>
 
-<file path=ppt/slides/slide12.xml><?xml version="1.0" encoding="utf-8"?>
+<file path=ppt/slides/slide11.xml><?xml version="1.0" encoding="utf-8"?>
 <p:sld xmlns:a="http://schemas.openxmlformats.org/drawingml/2006/main" xmlns:r="http://schemas.openxmlformats.org/officeDocument/2006/relationships" xmlns:p="http://schemas.openxmlformats.org/presentationml/2006/main">
   <p:cSld>
     <p:spTree>
@@ -6100,7 +5664,7 @@
 </p:sld>
 </file>
 
-<file path=ppt/slides/slide13.xml><?xml version="1.0" encoding="utf-8"?>
+<file path=ppt/slides/slide12.xml><?xml version="1.0" encoding="utf-8"?>
 <p:sld xmlns:a="http://schemas.openxmlformats.org/drawingml/2006/main" xmlns:r="http://schemas.openxmlformats.org/officeDocument/2006/relationships" xmlns:p="http://schemas.openxmlformats.org/presentationml/2006/main">
   <p:cSld>
     <p:spTree>
@@ -6796,10 +6360,10 @@
       </p:pic>
       <p:pic>
         <p:nvPicPr>
-          <p:cNvPr id="7" name="Picture 6">
+          <p:cNvPr id="6" name="Picture 5">
             <a:extLst>
               <a:ext uri="{FF2B5EF4-FFF2-40B4-BE49-F238E27FC236}">
-                <a16:creationId xmlns:a16="http://schemas.microsoft.com/office/drawing/2014/main" id="{83061043-4A5C-D3CE-8360-9B3B707C4497}"/>
+                <a16:creationId xmlns:a16="http://schemas.microsoft.com/office/drawing/2014/main" id="{D8CEC8DC-A625-C4EF-11D3-433422FF1872}"/>
               </a:ext>
             </a:extLst>
           </p:cNvPr>
@@ -6816,8 +6380,8 @@
         </p:blipFill>
         <p:spPr>
           <a:xfrm>
-            <a:off x="5234028" y="4432821"/>
-            <a:ext cx="5640454" cy="2188446"/>
+            <a:off x="5247999" y="4474446"/>
+            <a:ext cx="5654358" cy="2188446"/>
           </a:xfrm>
           <a:prstGeom prst="rect">
             <a:avLst/>
@@ -8486,323 +8050,6 @@
           </a:xfrm>
         </p:spPr>
         <p:txBody>
-          <a:bodyPr/>
-          <a:lstStyle/>
-          <a:p>
-            <a:pPr marL="285750" indent="-285750">
-              <a:buFont typeface="Wingdings" panose="05000000000000000000" pitchFamily="2" charset="2"/>
-              <a:buChar char="q"/>
-            </a:pPr>
-            <a:endParaRPr lang="en-US" dirty="0"/>
-          </a:p>
-          <a:p>
-            <a:pPr marL="285750" indent="-285750">
-              <a:lnSpc>
-                <a:spcPct val="150000"/>
-              </a:lnSpc>
-              <a:buFont typeface="Wingdings" panose="05000000000000000000" pitchFamily="2" charset="2"/>
-              <a:buChar char="q"/>
-            </a:pPr>
-            <a:r>
-              <a:rPr lang="en-US" dirty="0"/>
-              <a:t>Charts shows that airlines operating revenue increases over the period. </a:t>
-            </a:r>
-          </a:p>
-          <a:p>
-            <a:pPr marL="285750" indent="-285750">
-              <a:buFont typeface="Wingdings" panose="05000000000000000000" pitchFamily="2" charset="2"/>
-              <a:buChar char="q"/>
-            </a:pPr>
-            <a:endParaRPr lang="en-US" dirty="0"/>
-          </a:p>
-          <a:p>
-            <a:pPr marL="285750" indent="-285750">
-              <a:lnSpc>
-                <a:spcPct val="150000"/>
-              </a:lnSpc>
-              <a:buFont typeface="Wingdings" panose="05000000000000000000" pitchFamily="2" charset="2"/>
-              <a:buChar char="q"/>
-            </a:pPr>
-            <a:r>
-              <a:rPr lang="en-US" dirty="0"/>
-              <a:t>Due to travel restrictions for Covid, the revenue is impacted for all airlines in 2020</a:t>
-            </a:r>
-          </a:p>
-        </p:txBody>
-      </p:sp>
-      <p:sp>
-        <p:nvSpPr>
-          <p:cNvPr id="9" name="TextBox 8">
-            <a:extLst>
-              <a:ext uri="{FF2B5EF4-FFF2-40B4-BE49-F238E27FC236}">
-                <a16:creationId xmlns:a16="http://schemas.microsoft.com/office/drawing/2014/main" id="{196DC3BC-DFA4-27D3-C6B3-32B9ECE94CAA}"/>
-              </a:ext>
-            </a:extLst>
-          </p:cNvPr>
-          <p:cNvSpPr txBox="1"/>
-          <p:nvPr/>
-        </p:nvSpPr>
-        <p:spPr>
-          <a:xfrm>
-            <a:off x="5086970" y="5576500"/>
-            <a:ext cx="3141042" cy="276999"/>
-          </a:xfrm>
-          <a:prstGeom prst="rect">
-            <a:avLst/>
-          </a:prstGeom>
-          <a:noFill/>
-        </p:spPr>
-        <p:txBody>
-          <a:bodyPr wrap="square" rtlCol="0">
-            <a:spAutoFit/>
-          </a:bodyPr>
-          <a:lstStyle/>
-          <a:p>
-            <a:r>
-              <a:rPr lang="en-US" sz="1200" b="1" dirty="0">
-                <a:solidFill>
-                  <a:schemeClr val="accent6">
-                    <a:lumMod val="50000"/>
-                  </a:schemeClr>
-                </a:solidFill>
-              </a:rPr>
-              <a:t>Source</a:t>
-            </a:r>
-            <a:r>
-              <a:rPr lang="en-US" sz="1200" b="1" dirty="0">
-                <a:solidFill>
-                  <a:schemeClr val="accent6"/>
-                </a:solidFill>
-              </a:rPr>
-              <a:t>:</a:t>
-            </a:r>
-            <a:r>
-              <a:rPr lang="en-US" sz="1200" dirty="0">
-                <a:solidFill>
-                  <a:schemeClr val="accent6"/>
-                </a:solidFill>
-                <a:hlinkClick r:id="rId3">
-                  <a:extLst>
-                    <a:ext uri="{A12FA001-AC4F-418D-AE19-62706E023703}">
-                      <ahyp:hlinkClr xmlns:ahyp="http://schemas.microsoft.com/office/drawing/2018/hyperlinkcolor" val="tx"/>
-                    </a:ext>
-                  </a:extLst>
-                </a:hlinkClick>
-              </a:rPr>
-              <a:t> </a:t>
-            </a:r>
-            <a:r>
-              <a:rPr lang="en-US" sz="1200" dirty="0">
-                <a:solidFill>
-                  <a:schemeClr val="accent6"/>
-                </a:solidFill>
-                <a:hlinkClick r:id="rId4"/>
-              </a:rPr>
-              <a:t>https://catalog.data.gov/</a:t>
-            </a:r>
-            <a:endParaRPr lang="en-US" sz="1200" dirty="0">
-              <a:solidFill>
-                <a:schemeClr val="accent6"/>
-              </a:solidFill>
-            </a:endParaRPr>
-          </a:p>
-        </p:txBody>
-      </p:sp>
-      <p:sp>
-        <p:nvSpPr>
-          <p:cNvPr id="8" name="Title 4">
-            <a:extLst>
-              <a:ext uri="{FF2B5EF4-FFF2-40B4-BE49-F238E27FC236}">
-                <a16:creationId xmlns:a16="http://schemas.microsoft.com/office/drawing/2014/main" id="{F9F2D60A-4144-3A14-CF50-79C8E9CE5B0C}"/>
-              </a:ext>
-            </a:extLst>
-          </p:cNvPr>
-          <p:cNvSpPr txBox="1">
-            <a:spLocks/>
-          </p:cNvSpPr>
-          <p:nvPr/>
-        </p:nvSpPr>
-        <p:spPr>
-          <a:xfrm>
-            <a:off x="156127" y="381000"/>
-            <a:ext cx="5023885" cy="1003024"/>
-          </a:xfrm>
-          <a:prstGeom prst="rect">
-            <a:avLst/>
-          </a:prstGeom>
-        </p:spPr>
-        <p:txBody>
-          <a:bodyPr vert="horz" lIns="91440" tIns="45720" rIns="91440" bIns="45720" rtlCol="0" anchor="b">
-            <a:noAutofit/>
-          </a:bodyPr>
-          <a:lstStyle>
-            <a:lvl1pPr algn="l" defTabSz="914400" rtl="0" eaLnBrk="1" latinLnBrk="0" hangingPunct="1">
-              <a:lnSpc>
-                <a:spcPct val="90000"/>
-              </a:lnSpc>
-              <a:spcBef>
-                <a:spcPct val="0"/>
-              </a:spcBef>
-              <a:buNone/>
-              <a:defRPr sz="3200" b="0" kern="1200">
-                <a:solidFill>
-                  <a:schemeClr val="tx1"/>
-                </a:solidFill>
-                <a:latin typeface="+mj-lt"/>
-                <a:ea typeface="+mj-ea"/>
-                <a:cs typeface="+mj-cs"/>
-              </a:defRPr>
-            </a:lvl1pPr>
-          </a:lstStyle>
-          <a:p>
-            <a:br>
-              <a:rPr lang="en-US" sz="2000" dirty="0"/>
-            </a:br>
-            <a:r>
-              <a:rPr lang="en-US" sz="2800" b="1" dirty="0"/>
-              <a:t>Airline Revenue</a:t>
-            </a:r>
-            <a:br>
-              <a:rPr lang="en-US" sz="2000" dirty="0"/>
-            </a:br>
-            <a:br>
-              <a:rPr lang="en-US" sz="2000" dirty="0"/>
-            </a:br>
-            <a:r>
-              <a:rPr lang="en-US" sz="2000" b="1" dirty="0"/>
-              <a:t>Charts showing airlines revenue over years</a:t>
-            </a:r>
-          </a:p>
-        </p:txBody>
-      </p:sp>
-      <p:cxnSp>
-        <p:nvCxnSpPr>
-          <p:cNvPr id="10" name="Straight Connector 9">
-            <a:extLst>
-              <a:ext uri="{FF2B5EF4-FFF2-40B4-BE49-F238E27FC236}">
-                <a16:creationId xmlns:a16="http://schemas.microsoft.com/office/drawing/2014/main" id="{BCDABEC8-8775-F61A-35F5-B3DAC9C5C8B1}"/>
-              </a:ext>
-            </a:extLst>
-          </p:cNvPr>
-          <p:cNvCxnSpPr>
-            <a:cxnSpLocks/>
-          </p:cNvCxnSpPr>
-          <p:nvPr/>
-        </p:nvCxnSpPr>
-        <p:spPr>
-          <a:xfrm>
-            <a:off x="150812" y="685800"/>
-            <a:ext cx="4343400" cy="0"/>
-          </a:xfrm>
-          <a:prstGeom prst="line">
-            <a:avLst/>
-          </a:prstGeom>
-          <a:ln w="38100"/>
-        </p:spPr>
-        <p:style>
-          <a:lnRef idx="3">
-            <a:schemeClr val="accent3"/>
-          </a:lnRef>
-          <a:fillRef idx="0">
-            <a:schemeClr val="accent3"/>
-          </a:fillRef>
-          <a:effectRef idx="2">
-            <a:schemeClr val="accent3"/>
-          </a:effectRef>
-          <a:fontRef idx="minor">
-            <a:schemeClr val="tx1"/>
-          </a:fontRef>
-        </p:style>
-      </p:cxnSp>
-      <p:pic>
-        <p:nvPicPr>
-          <p:cNvPr id="3" name="Picture 2">
-            <a:extLst>
-              <a:ext uri="{FF2B5EF4-FFF2-40B4-BE49-F238E27FC236}">
-                <a16:creationId xmlns:a16="http://schemas.microsoft.com/office/drawing/2014/main" id="{29A6A937-DC72-5AF0-44AB-A5B33DF8F874}"/>
-              </a:ext>
-            </a:extLst>
-          </p:cNvPr>
-          <p:cNvPicPr>
-            <a:picLocks noChangeAspect="1"/>
-          </p:cNvPicPr>
-          <p:nvPr/>
-        </p:nvPicPr>
-        <p:blipFill>
-          <a:blip r:embed="rId5"/>
-          <a:stretch>
-            <a:fillRect/>
-          </a:stretch>
-        </p:blipFill>
-        <p:spPr>
-          <a:xfrm>
-            <a:off x="5086969" y="1004500"/>
-            <a:ext cx="6646243" cy="3872299"/>
-          </a:xfrm>
-          <a:prstGeom prst="rect">
-            <a:avLst/>
-          </a:prstGeom>
-        </p:spPr>
-      </p:pic>
-    </p:spTree>
-    <p:extLst>
-      <p:ext uri="{BB962C8B-B14F-4D97-AF65-F5344CB8AC3E}">
-        <p14:creationId xmlns:p14="http://schemas.microsoft.com/office/powerpoint/2010/main" val="2798768645"/>
-      </p:ext>
-    </p:extLst>
-  </p:cSld>
-  <p:clrMapOvr>
-    <a:masterClrMapping/>
-  </p:clrMapOvr>
-  <mc:AlternateContent xmlns:mc="http://schemas.openxmlformats.org/markup-compatibility/2006" xmlns:p14="http://schemas.microsoft.com/office/powerpoint/2010/main">
-    <mc:Choice Requires="p14">
-      <p:transition spd="med" p14:dur="700">
-        <p:fade/>
-      </p:transition>
-    </mc:Choice>
-    <mc:Fallback xmlns="">
-      <p:transition spd="med">
-        <p:fade/>
-      </p:transition>
-    </mc:Fallback>
-  </mc:AlternateContent>
-</p:sld>
-</file>
-
-<file path=ppt/slides/slide9.xml><?xml version="1.0" encoding="utf-8"?>
-<p:sld xmlns:a="http://schemas.openxmlformats.org/drawingml/2006/main" xmlns:r="http://schemas.openxmlformats.org/officeDocument/2006/relationships" xmlns:p="http://schemas.openxmlformats.org/presentationml/2006/main">
-  <p:cSld>
-    <p:spTree>
-      <p:nvGrpSpPr>
-        <p:cNvPr id="1" name=""/>
-        <p:cNvGrpSpPr/>
-        <p:nvPr/>
-      </p:nvGrpSpPr>
-      <p:grpSpPr>
-        <a:xfrm>
-          <a:off x="0" y="0"/>
-          <a:ext cx="0" cy="0"/>
-          <a:chOff x="0" y="0"/>
-          <a:chExt cx="0" cy="0"/>
-        </a:xfrm>
-      </p:grpSpPr>
-      <p:sp>
-        <p:nvSpPr>
-          <p:cNvPr id="4" name="Text Placeholder 3"/>
-          <p:cNvSpPr>
-            <a:spLocks noGrp="1"/>
-          </p:cNvSpPr>
-          <p:nvPr>
-            <p:ph type="body" sz="half" idx="2"/>
-          </p:nvPr>
-        </p:nvSpPr>
-        <p:spPr>
-          <a:xfrm>
-            <a:off x="227013" y="1752600"/>
-            <a:ext cx="3886200" cy="4267200"/>
-          </a:xfrm>
-        </p:spPr>
-        <p:txBody>
           <a:bodyPr>
             <a:normAutofit fontScale="92500" lnSpcReduction="10000"/>
           </a:bodyPr>
@@ -9093,6 +8340,357 @@
     <p:extLst>
       <p:ext uri="{BB962C8B-B14F-4D97-AF65-F5344CB8AC3E}">
         <p14:creationId xmlns:p14="http://schemas.microsoft.com/office/powerpoint/2010/main" val="3720347463"/>
+      </p:ext>
+    </p:extLst>
+  </p:cSld>
+  <p:clrMapOvr>
+    <a:masterClrMapping/>
+  </p:clrMapOvr>
+  <mc:AlternateContent xmlns:mc="http://schemas.openxmlformats.org/markup-compatibility/2006" xmlns:p14="http://schemas.microsoft.com/office/powerpoint/2010/main">
+    <mc:Choice Requires="p14">
+      <p:transition spd="med" p14:dur="700">
+        <p:fade/>
+      </p:transition>
+    </mc:Choice>
+    <mc:Fallback xmlns="">
+      <p:transition spd="med">
+        <p:fade/>
+      </p:transition>
+    </mc:Fallback>
+  </mc:AlternateContent>
+</p:sld>
+</file>
+
+<file path=ppt/slides/slide9.xml><?xml version="1.0" encoding="utf-8"?>
+<p:sld xmlns:a="http://schemas.openxmlformats.org/drawingml/2006/main" xmlns:r="http://schemas.openxmlformats.org/officeDocument/2006/relationships" xmlns:p="http://schemas.openxmlformats.org/presentationml/2006/main">
+  <p:cSld>
+    <p:spTree>
+      <p:nvGrpSpPr>
+        <p:cNvPr id="1" name=""/>
+        <p:cNvGrpSpPr/>
+        <p:nvPr/>
+      </p:nvGrpSpPr>
+      <p:grpSpPr>
+        <a:xfrm>
+          <a:off x="0" y="0"/>
+          <a:ext cx="0" cy="0"/>
+          <a:chOff x="0" y="0"/>
+          <a:chExt cx="0" cy="0"/>
+        </a:xfrm>
+      </p:grpSpPr>
+      <p:sp>
+        <p:nvSpPr>
+          <p:cNvPr id="4" name="Text Placeholder 3"/>
+          <p:cNvSpPr>
+            <a:spLocks noGrp="1"/>
+          </p:cNvSpPr>
+          <p:nvPr>
+            <p:ph type="body" sz="half" idx="2"/>
+          </p:nvPr>
+        </p:nvSpPr>
+        <p:spPr>
+          <a:xfrm>
+            <a:off x="227013" y="1752600"/>
+            <a:ext cx="3886200" cy="4267200"/>
+          </a:xfrm>
+        </p:spPr>
+        <p:txBody>
+          <a:bodyPr>
+            <a:normAutofit lnSpcReduction="10000"/>
+          </a:bodyPr>
+          <a:lstStyle/>
+          <a:p>
+            <a:endParaRPr lang="en-US" dirty="0"/>
+          </a:p>
+          <a:p>
+            <a:pPr marL="285750" indent="-285750">
+              <a:lnSpc>
+                <a:spcPct val="150000"/>
+              </a:lnSpc>
+              <a:buFont typeface="Wingdings" panose="05000000000000000000" pitchFamily="2" charset="2"/>
+              <a:buChar char="q"/>
+            </a:pPr>
+            <a:r>
+              <a:rPr lang="en-US" dirty="0"/>
+              <a:t>As revenue increase, the operating expenses also increased over time</a:t>
+            </a:r>
+          </a:p>
+          <a:p>
+            <a:pPr marL="285750" indent="-285750">
+              <a:lnSpc>
+                <a:spcPct val="150000"/>
+              </a:lnSpc>
+              <a:buFont typeface="Wingdings" panose="05000000000000000000" pitchFamily="2" charset="2"/>
+              <a:buChar char="q"/>
+            </a:pPr>
+            <a:endParaRPr lang="en-US" dirty="0"/>
+          </a:p>
+          <a:p>
+            <a:pPr marL="285750" indent="-285750">
+              <a:lnSpc>
+                <a:spcPct val="150000"/>
+              </a:lnSpc>
+              <a:buFont typeface="Wingdings" panose="05000000000000000000" pitchFamily="2" charset="2"/>
+              <a:buChar char="q"/>
+            </a:pPr>
+            <a:r>
+              <a:rPr lang="en-US" dirty="0"/>
+              <a:t>Post Covid, Worldwide Inflation is impacting Airlines operating expenses</a:t>
+            </a:r>
+          </a:p>
+          <a:p>
+            <a:pPr marL="285750" indent="-285750">
+              <a:lnSpc>
+                <a:spcPct val="150000"/>
+              </a:lnSpc>
+              <a:buFont typeface="Wingdings" panose="05000000000000000000" pitchFamily="2" charset="2"/>
+              <a:buChar char="q"/>
+            </a:pPr>
+            <a:endParaRPr lang="en-US" dirty="0"/>
+          </a:p>
+          <a:p>
+            <a:pPr marL="285750" indent="-285750">
+              <a:lnSpc>
+                <a:spcPct val="150000"/>
+              </a:lnSpc>
+              <a:buFont typeface="Wingdings" panose="05000000000000000000" pitchFamily="2" charset="2"/>
+              <a:buChar char="q"/>
+            </a:pPr>
+            <a:r>
+              <a:rPr lang="en-US" dirty="0"/>
+              <a:t>Management should focus on controlling Operation expenses by promoting more automation</a:t>
+            </a:r>
+          </a:p>
+          <a:p>
+            <a:pPr marL="285750" indent="-285750">
+              <a:lnSpc>
+                <a:spcPct val="150000"/>
+              </a:lnSpc>
+              <a:buFont typeface="Wingdings" panose="05000000000000000000" pitchFamily="2" charset="2"/>
+              <a:buChar char="q"/>
+            </a:pPr>
+            <a:endParaRPr lang="en-US" dirty="0"/>
+          </a:p>
+        </p:txBody>
+      </p:sp>
+      <p:sp>
+        <p:nvSpPr>
+          <p:cNvPr id="7" name="TextBox 6">
+            <a:extLst>
+              <a:ext uri="{FF2B5EF4-FFF2-40B4-BE49-F238E27FC236}">
+                <a16:creationId xmlns:a16="http://schemas.microsoft.com/office/drawing/2014/main" id="{CF9FD05A-E5D4-FCB5-9715-2B56D46FB616}"/>
+              </a:ext>
+            </a:extLst>
+          </p:cNvPr>
+          <p:cNvSpPr txBox="1"/>
+          <p:nvPr/>
+        </p:nvSpPr>
+        <p:spPr>
+          <a:xfrm>
+            <a:off x="5086970" y="5576500"/>
+            <a:ext cx="3141042" cy="276999"/>
+          </a:xfrm>
+          <a:prstGeom prst="rect">
+            <a:avLst/>
+          </a:prstGeom>
+          <a:noFill/>
+        </p:spPr>
+        <p:txBody>
+          <a:bodyPr wrap="square" rtlCol="0">
+            <a:spAutoFit/>
+          </a:bodyPr>
+          <a:lstStyle/>
+          <a:p>
+            <a:r>
+              <a:rPr lang="en-US" sz="1200" b="1" dirty="0">
+                <a:solidFill>
+                  <a:schemeClr val="accent6">
+                    <a:lumMod val="50000"/>
+                  </a:schemeClr>
+                </a:solidFill>
+              </a:rPr>
+              <a:t>Source</a:t>
+            </a:r>
+            <a:r>
+              <a:rPr lang="en-US" sz="1200" b="1" dirty="0">
+                <a:solidFill>
+                  <a:schemeClr val="accent6"/>
+                </a:solidFill>
+              </a:rPr>
+              <a:t>:</a:t>
+            </a:r>
+            <a:r>
+              <a:rPr lang="en-US" sz="1200" dirty="0">
+                <a:solidFill>
+                  <a:schemeClr val="accent6"/>
+                </a:solidFill>
+                <a:hlinkClick r:id="rId3">
+                  <a:extLst>
+                    <a:ext uri="{A12FA001-AC4F-418D-AE19-62706E023703}">
+                      <ahyp:hlinkClr xmlns:ahyp="http://schemas.microsoft.com/office/drawing/2018/hyperlinkcolor" val="tx"/>
+                    </a:ext>
+                  </a:extLst>
+                </a:hlinkClick>
+              </a:rPr>
+              <a:t> </a:t>
+            </a:r>
+            <a:r>
+              <a:rPr lang="en-US" sz="1200" dirty="0">
+                <a:solidFill>
+                  <a:schemeClr val="accent6"/>
+                </a:solidFill>
+                <a:hlinkClick r:id="rId4"/>
+              </a:rPr>
+              <a:t>https://catalog.data.gov/</a:t>
+            </a:r>
+            <a:endParaRPr lang="en-US" sz="1200" dirty="0">
+              <a:solidFill>
+                <a:schemeClr val="accent6"/>
+              </a:solidFill>
+            </a:endParaRPr>
+          </a:p>
+        </p:txBody>
+      </p:sp>
+      <p:sp>
+        <p:nvSpPr>
+          <p:cNvPr id="11" name="Title 4">
+            <a:extLst>
+              <a:ext uri="{FF2B5EF4-FFF2-40B4-BE49-F238E27FC236}">
+                <a16:creationId xmlns:a16="http://schemas.microsoft.com/office/drawing/2014/main" id="{3521240F-BD67-0020-FE6A-6B4BB0B44D87}"/>
+              </a:ext>
+            </a:extLst>
+          </p:cNvPr>
+          <p:cNvSpPr txBox="1">
+            <a:spLocks/>
+          </p:cNvSpPr>
+          <p:nvPr/>
+        </p:nvSpPr>
+        <p:spPr>
+          <a:xfrm>
+            <a:off x="156127" y="381000"/>
+            <a:ext cx="5023885" cy="1003024"/>
+          </a:xfrm>
+          <a:prstGeom prst="rect">
+            <a:avLst/>
+          </a:prstGeom>
+        </p:spPr>
+        <p:txBody>
+          <a:bodyPr vert="horz" lIns="91440" tIns="45720" rIns="91440" bIns="45720" rtlCol="0" anchor="b">
+            <a:noAutofit/>
+          </a:bodyPr>
+          <a:lstStyle>
+            <a:lvl1pPr algn="l" defTabSz="914400" rtl="0" eaLnBrk="1" latinLnBrk="0" hangingPunct="1">
+              <a:lnSpc>
+                <a:spcPct val="90000"/>
+              </a:lnSpc>
+              <a:spcBef>
+                <a:spcPct val="0"/>
+              </a:spcBef>
+              <a:buNone/>
+              <a:defRPr sz="3200" b="0" kern="1200">
+                <a:solidFill>
+                  <a:schemeClr val="tx1"/>
+                </a:solidFill>
+                <a:latin typeface="+mj-lt"/>
+                <a:ea typeface="+mj-ea"/>
+                <a:cs typeface="+mj-cs"/>
+              </a:defRPr>
+            </a:lvl1pPr>
+          </a:lstStyle>
+          <a:p>
+            <a:br>
+              <a:rPr lang="en-US" sz="2000" dirty="0"/>
+            </a:br>
+            <a:r>
+              <a:rPr lang="en-US" sz="2800" b="1" dirty="0"/>
+              <a:t>Operating Cost</a:t>
+            </a:r>
+            <a:br>
+              <a:rPr lang="en-US" sz="2000" dirty="0"/>
+            </a:br>
+            <a:br>
+              <a:rPr lang="en-US" sz="2000" dirty="0"/>
+            </a:br>
+            <a:r>
+              <a:rPr lang="en-US" sz="2000" b="1" dirty="0"/>
+              <a:t>Charts showing Operating expense of United by Type for Q1-22</a:t>
+            </a:r>
+          </a:p>
+        </p:txBody>
+      </p:sp>
+      <p:cxnSp>
+        <p:nvCxnSpPr>
+          <p:cNvPr id="12" name="Straight Connector 11">
+            <a:extLst>
+              <a:ext uri="{FF2B5EF4-FFF2-40B4-BE49-F238E27FC236}">
+                <a16:creationId xmlns:a16="http://schemas.microsoft.com/office/drawing/2014/main" id="{71DFCE63-524C-2572-CC90-858F9E4751C7}"/>
+              </a:ext>
+            </a:extLst>
+          </p:cNvPr>
+          <p:cNvCxnSpPr>
+            <a:cxnSpLocks/>
+          </p:cNvCxnSpPr>
+          <p:nvPr/>
+        </p:nvCxnSpPr>
+        <p:spPr>
+          <a:xfrm>
+            <a:off x="227012" y="685800"/>
+            <a:ext cx="4343400" cy="0"/>
+          </a:xfrm>
+          <a:prstGeom prst="line">
+            <a:avLst/>
+          </a:prstGeom>
+          <a:ln w="38100"/>
+        </p:spPr>
+        <p:style>
+          <a:lnRef idx="3">
+            <a:schemeClr val="accent3"/>
+          </a:lnRef>
+          <a:fillRef idx="0">
+            <a:schemeClr val="accent3"/>
+          </a:fillRef>
+          <a:effectRef idx="2">
+            <a:schemeClr val="accent3"/>
+          </a:effectRef>
+          <a:fontRef idx="minor">
+            <a:schemeClr val="tx1"/>
+          </a:fontRef>
+        </p:style>
+      </p:cxnSp>
+      <p:pic>
+        <p:nvPicPr>
+          <p:cNvPr id="5" name="Picture 4">
+            <a:extLst>
+              <a:ext uri="{FF2B5EF4-FFF2-40B4-BE49-F238E27FC236}">
+                <a16:creationId xmlns:a16="http://schemas.microsoft.com/office/drawing/2014/main" id="{136A5B46-99F0-1878-CAA5-1514D7F0E86E}"/>
+              </a:ext>
+            </a:extLst>
+          </p:cNvPr>
+          <p:cNvPicPr>
+            <a:picLocks noChangeAspect="1"/>
+          </p:cNvPicPr>
+          <p:nvPr/>
+        </p:nvPicPr>
+        <p:blipFill>
+          <a:blip r:embed="rId5"/>
+          <a:stretch>
+            <a:fillRect/>
+          </a:stretch>
+        </p:blipFill>
+        <p:spPr>
+          <a:xfrm>
+            <a:off x="5086970" y="859321"/>
+            <a:ext cx="6646242" cy="4267198"/>
+          </a:xfrm>
+          <a:prstGeom prst="rect">
+            <a:avLst/>
+          </a:prstGeom>
+        </p:spPr>
+      </p:pic>
+    </p:spTree>
+    <p:extLst>
+      <p:ext uri="{BB962C8B-B14F-4D97-AF65-F5344CB8AC3E}">
+        <p14:creationId xmlns:p14="http://schemas.microsoft.com/office/powerpoint/2010/main" val="1669468440"/>
       </p:ext>
     </p:extLst>
   </p:cSld>
